--- a/Project 1 presentation.pptx
+++ b/Project 1 presentation.pptx
@@ -14,12 +14,20 @@
     <p:sldId id="262" r:id="rId8"/>
     <p:sldId id="263" r:id="rId9"/>
     <p:sldId id="264" r:id="rId10"/>
-    <p:sldId id="265" r:id="rId11"/>
-    <p:sldId id="266" r:id="rId12"/>
-    <p:sldId id="267" r:id="rId13"/>
-    <p:sldId id="268" r:id="rId14"/>
-    <p:sldId id="269" r:id="rId15"/>
-    <p:sldId id="270" r:id="rId16"/>
+    <p:sldId id="272" r:id="rId11"/>
+    <p:sldId id="273" r:id="rId12"/>
+    <p:sldId id="265" r:id="rId13"/>
+    <p:sldId id="278" r:id="rId14"/>
+    <p:sldId id="274" r:id="rId15"/>
+    <p:sldId id="275" r:id="rId16"/>
+    <p:sldId id="276" r:id="rId17"/>
+    <p:sldId id="277" r:id="rId18"/>
+    <p:sldId id="271" r:id="rId19"/>
+    <p:sldId id="266" r:id="rId20"/>
+    <p:sldId id="267" r:id="rId21"/>
+    <p:sldId id="268" r:id="rId22"/>
+    <p:sldId id="269" r:id="rId23"/>
+    <p:sldId id="270" r:id="rId24"/>
   </p:sldIdLst>
   <p:sldSz cx="12192000" cy="6858000"/>
   <p:notesSz cx="6858000" cy="9144000"/>
@@ -118,6 +126,11 @@
       </a:defRPr>
     </a:lvl9pPr>
   </p:defaultTextStyle>
+  <p:extLst>
+    <p:ext uri="{EFAFB233-063F-42B5-8137-9DF3F51BA10A}">
+      <p15:sldGuideLst xmlns:p15="http://schemas.microsoft.com/office/powerpoint/2012/main"/>
+    </p:ext>
+  </p:extLst>
 </p:presentation>
 </file>
 
@@ -294,7 +307,7 @@
           <a:p>
             <a:fld id="{4112E8E4-3066-4D41-B9D9-DFF0E291FC3A}" type="datetimeFigureOut">
               <a:rPr lang="en-US" smtClean="0"/>
-              <a:t>1/27/2020</a:t>
+              <a:t>2/3/2020</a:t>
             </a:fld>
             <a:endParaRPr lang="en-US"/>
           </a:p>
@@ -492,7 +505,7 @@
           <a:p>
             <a:fld id="{4112E8E4-3066-4D41-B9D9-DFF0E291FC3A}" type="datetimeFigureOut">
               <a:rPr lang="en-US" smtClean="0"/>
-              <a:t>1/27/2020</a:t>
+              <a:t>2/3/2020</a:t>
             </a:fld>
             <a:endParaRPr lang="en-US"/>
           </a:p>
@@ -700,7 +713,7 @@
           <a:p>
             <a:fld id="{4112E8E4-3066-4D41-B9D9-DFF0E291FC3A}" type="datetimeFigureOut">
               <a:rPr lang="en-US" smtClean="0"/>
-              <a:t>1/27/2020</a:t>
+              <a:t>2/3/2020</a:t>
             </a:fld>
             <a:endParaRPr lang="en-US"/>
           </a:p>
@@ -898,7 +911,7 @@
           <a:p>
             <a:fld id="{4112E8E4-3066-4D41-B9D9-DFF0E291FC3A}" type="datetimeFigureOut">
               <a:rPr lang="en-US" smtClean="0"/>
-              <a:t>1/27/2020</a:t>
+              <a:t>2/3/2020</a:t>
             </a:fld>
             <a:endParaRPr lang="en-US"/>
           </a:p>
@@ -1173,7 +1186,7 @@
           <a:p>
             <a:fld id="{4112E8E4-3066-4D41-B9D9-DFF0E291FC3A}" type="datetimeFigureOut">
               <a:rPr lang="en-US" smtClean="0"/>
-              <a:t>1/27/2020</a:t>
+              <a:t>2/3/2020</a:t>
             </a:fld>
             <a:endParaRPr lang="en-US"/>
           </a:p>
@@ -1438,7 +1451,7 @@
           <a:p>
             <a:fld id="{4112E8E4-3066-4D41-B9D9-DFF0E291FC3A}" type="datetimeFigureOut">
               <a:rPr lang="en-US" smtClean="0"/>
-              <a:t>1/27/2020</a:t>
+              <a:t>2/3/2020</a:t>
             </a:fld>
             <a:endParaRPr lang="en-US"/>
           </a:p>
@@ -1850,7 +1863,7 @@
           <a:p>
             <a:fld id="{4112E8E4-3066-4D41-B9D9-DFF0E291FC3A}" type="datetimeFigureOut">
               <a:rPr lang="en-US" smtClean="0"/>
-              <a:t>1/27/2020</a:t>
+              <a:t>2/3/2020</a:t>
             </a:fld>
             <a:endParaRPr lang="en-US"/>
           </a:p>
@@ -1991,7 +2004,7 @@
           <a:p>
             <a:fld id="{4112E8E4-3066-4D41-B9D9-DFF0E291FC3A}" type="datetimeFigureOut">
               <a:rPr lang="en-US" smtClean="0"/>
-              <a:t>1/27/2020</a:t>
+              <a:t>2/3/2020</a:t>
             </a:fld>
             <a:endParaRPr lang="en-US"/>
           </a:p>
@@ -2104,7 +2117,7 @@
           <a:p>
             <a:fld id="{4112E8E4-3066-4D41-B9D9-DFF0E291FC3A}" type="datetimeFigureOut">
               <a:rPr lang="en-US" smtClean="0"/>
-              <a:t>1/27/2020</a:t>
+              <a:t>2/3/2020</a:t>
             </a:fld>
             <a:endParaRPr lang="en-US"/>
           </a:p>
@@ -2415,7 +2428,7 @@
           <a:p>
             <a:fld id="{4112E8E4-3066-4D41-B9D9-DFF0E291FC3A}" type="datetimeFigureOut">
               <a:rPr lang="en-US" smtClean="0"/>
-              <a:t>1/27/2020</a:t>
+              <a:t>2/3/2020</a:t>
             </a:fld>
             <a:endParaRPr lang="en-US"/>
           </a:p>
@@ -2703,7 +2716,7 @@
           <a:p>
             <a:fld id="{4112E8E4-3066-4D41-B9D9-DFF0E291FC3A}" type="datetimeFigureOut">
               <a:rPr lang="en-US" smtClean="0"/>
-              <a:t>1/27/2020</a:t>
+              <a:t>2/3/2020</a:t>
             </a:fld>
             <a:endParaRPr lang="en-US"/>
           </a:p>
@@ -2944,7 +2957,7 @@
           <a:p>
             <a:fld id="{4112E8E4-3066-4D41-B9D9-DFF0E291FC3A}" type="datetimeFigureOut">
               <a:rPr lang="en-US" smtClean="0"/>
-              <a:t>1/27/2020</a:t>
+              <a:t>2/3/2020</a:t>
             </a:fld>
             <a:endParaRPr lang="en-US"/>
           </a:p>
@@ -3566,7 +3579,7 @@
           <p:cNvPr id="2" name="Title 1">
             <a:extLst>
               <a:ext uri="{FF2B5EF4-FFF2-40B4-BE49-F238E27FC236}">
-                <a16:creationId xmlns:a16="http://schemas.microsoft.com/office/drawing/2014/main" id="{6901E77A-E9A7-46EC-9C9E-29D0AAB374DF}"/>
+                <a16:creationId xmlns:a16="http://schemas.microsoft.com/office/drawing/2014/main" id="{5D0200C6-F082-4405-9028-167892126328}"/>
               </a:ext>
             </a:extLst>
           </p:cNvPr>
@@ -3584,7 +3597,7 @@
           <a:p>
             <a:r>
               <a:rPr lang="en-US" dirty="0"/>
-              <a:t>Our steps</a:t>
+              <a:t>We used a phone and got some info from the County</a:t>
             </a:r>
           </a:p>
         </p:txBody>
@@ -3594,7 +3607,7 @@
           <p:cNvPr id="3" name="Content Placeholder 2">
             <a:extLst>
               <a:ext uri="{FF2B5EF4-FFF2-40B4-BE49-F238E27FC236}">
-                <a16:creationId xmlns:a16="http://schemas.microsoft.com/office/drawing/2014/main" id="{822FCDA6-8B92-4F64-B3EC-314EF44B7D7F}"/>
+                <a16:creationId xmlns:a16="http://schemas.microsoft.com/office/drawing/2014/main" id="{243C0979-4DB2-4750-8F6B-EC6FA53E7DB1}"/>
               </a:ext>
             </a:extLst>
           </p:cNvPr>
@@ -3610,58 +3623,53 @@
           <a:bodyPr/>
           <a:lstStyle/>
           <a:p>
-            <a:pPr marL="514350" indent="-514350">
-              <a:buFont typeface="+mj-lt"/>
-              <a:buAutoNum type="arabicPeriod"/>
-            </a:pPr>
-            <a:r>
-              <a:rPr lang="en-US" dirty="0"/>
-              <a:t>Found our API</a:t>
-            </a:r>
-          </a:p>
-          <a:p>
-            <a:pPr marL="514350" indent="-514350">
-              <a:buFont typeface="+mj-lt"/>
-              <a:buAutoNum type="arabicPeriod"/>
-            </a:pPr>
-            <a:r>
-              <a:rPr lang="en-US" dirty="0"/>
-              <a:t>Started to read the documentation</a:t>
-            </a:r>
-          </a:p>
-          <a:p>
-            <a:pPr marL="514350" indent="-514350">
-              <a:buFont typeface="+mj-lt"/>
-              <a:buAutoNum type="arabicPeriod"/>
-            </a:pPr>
-            <a:r>
-              <a:rPr lang="en-US" dirty="0"/>
-              <a:t>Tried to understand what information we got back</a:t>
-            </a:r>
-          </a:p>
-          <a:p>
-            <a:pPr marL="514350" indent="-514350">
-              <a:buFont typeface="+mj-lt"/>
-              <a:buAutoNum type="arabicPeriod"/>
-            </a:pPr>
-            <a:r>
-              <a:rPr lang="en-US" dirty="0"/>
-              <a:t>Changed our scope once we looked at the data in more depth</a:t>
-            </a:r>
-          </a:p>
-          <a:p>
-            <a:pPr marL="514350" indent="-514350">
-              <a:buFont typeface="+mj-lt"/>
-              <a:buAutoNum type="arabicPeriod"/>
+            <a:pPr marL="0" indent="0">
+              <a:buNone/>
             </a:pPr>
             <a:endParaRPr lang="en-US" dirty="0"/>
           </a:p>
-        </p:txBody>
-      </p:sp>
+          <a:p>
+            <a:pPr marL="0" indent="0">
+              <a:buNone/>
+            </a:pPr>
+            <a:endParaRPr lang="en-US" dirty="0"/>
+          </a:p>
+        </p:txBody>
+      </p:sp>
+      <p:pic>
+        <p:nvPicPr>
+          <p:cNvPr id="5" name="Picture 4">
+            <a:extLst>
+              <a:ext uri="{FF2B5EF4-FFF2-40B4-BE49-F238E27FC236}">
+                <a16:creationId xmlns:a16="http://schemas.microsoft.com/office/drawing/2014/main" id="{E4717F10-DD3F-408E-9222-991862868F47}"/>
+              </a:ext>
+            </a:extLst>
+          </p:cNvPr>
+          <p:cNvPicPr>
+            <a:picLocks noChangeAspect="1"/>
+          </p:cNvPicPr>
+          <p:nvPr/>
+        </p:nvPicPr>
+        <p:blipFill>
+          <a:blip r:embed="rId2"/>
+          <a:stretch>
+            <a:fillRect/>
+          </a:stretch>
+        </p:blipFill>
+        <p:spPr>
+          <a:xfrm>
+            <a:off x="1958784" y="1825625"/>
+            <a:ext cx="8274431" cy="4909496"/>
+          </a:xfrm>
+          <a:prstGeom prst="rect">
+            <a:avLst/>
+          </a:prstGeom>
+        </p:spPr>
+      </p:pic>
     </p:spTree>
     <p:extLst>
       <p:ext uri="{BB962C8B-B14F-4D97-AF65-F5344CB8AC3E}">
-        <p14:creationId xmlns:p14="http://schemas.microsoft.com/office/powerpoint/2010/main" val="3180740736"/>
+        <p14:creationId xmlns:p14="http://schemas.microsoft.com/office/powerpoint/2010/main" val="3658299671"/>
       </p:ext>
     </p:extLst>
   </p:cSld>
@@ -3693,7 +3701,7 @@
           <p:cNvPr id="2" name="Title 1">
             <a:extLst>
               <a:ext uri="{FF2B5EF4-FFF2-40B4-BE49-F238E27FC236}">
-                <a16:creationId xmlns:a16="http://schemas.microsoft.com/office/drawing/2014/main" id="{D759650F-4A31-4D48-93E3-037272A0DE21}"/>
+                <a16:creationId xmlns:a16="http://schemas.microsoft.com/office/drawing/2014/main" id="{80AF8EB5-8BF6-44E5-BDEE-30985B396577}"/>
               </a:ext>
             </a:extLst>
           </p:cNvPr>
@@ -3711,116 +3719,47 @@
           <a:p>
             <a:r>
               <a:rPr lang="en-US" dirty="0"/>
-              <a:t>When it was time to analyze the data</a:t>
-            </a:r>
-          </a:p>
-        </p:txBody>
-      </p:sp>
-      <p:sp>
-        <p:nvSpPr>
-          <p:cNvPr id="3" name="Content Placeholder 2">
-            <a:extLst>
-              <a:ext uri="{FF2B5EF4-FFF2-40B4-BE49-F238E27FC236}">
-                <a16:creationId xmlns:a16="http://schemas.microsoft.com/office/drawing/2014/main" id="{F9149705-1058-43F1-9BDE-1FD54A1C8FBC}"/>
-              </a:ext>
-            </a:extLst>
-          </p:cNvPr>
-          <p:cNvSpPr>
-            <a:spLocks noGrp="1"/>
-          </p:cNvSpPr>
+              <a:t>We needed more columns </a:t>
+            </a:r>
+          </a:p>
+        </p:txBody>
+      </p:sp>
+      <p:pic>
+        <p:nvPicPr>
+          <p:cNvPr id="4" name="Content Placeholder 3">
+            <a:extLst>
+              <a:ext uri="{FF2B5EF4-FFF2-40B4-BE49-F238E27FC236}">
+                <a16:creationId xmlns:a16="http://schemas.microsoft.com/office/drawing/2014/main" id="{0FAD1A4D-5EB3-405E-A5FB-B457E814D381}"/>
+              </a:ext>
+            </a:extLst>
+          </p:cNvPr>
+          <p:cNvPicPr>
+            <a:picLocks noGrp="1" noChangeAspect="1"/>
+          </p:cNvPicPr>
           <p:nvPr>
             <p:ph idx="1"/>
           </p:nvPr>
-        </p:nvSpPr>
-        <p:spPr/>
-        <p:txBody>
-          <a:bodyPr/>
-          <a:lstStyle/>
-          <a:p>
-            <a:r>
-              <a:rPr lang="en-US" dirty="0"/>
-              <a:t>We found …</a:t>
-            </a:r>
-          </a:p>
-          <a:p>
-            <a:pPr lvl="1"/>
-            <a:r>
-              <a:rPr lang="en-US" dirty="0"/>
-              <a:t>Try to point to a part of our </a:t>
-            </a:r>
-            <a:r>
-              <a:rPr lang="en-US" dirty="0" err="1"/>
-              <a:t>jupyter</a:t>
-            </a:r>
-            <a:r>
-              <a:rPr lang="en-US" dirty="0"/>
-              <a:t> notebook</a:t>
-            </a:r>
-          </a:p>
-          <a:p>
-            <a:pPr lvl="2"/>
-            <a:r>
-              <a:rPr lang="en-US" dirty="0" err="1"/>
-              <a:t>jupyter</a:t>
-            </a:r>
-            <a:r>
-              <a:rPr lang="en-US" dirty="0"/>
-              <a:t> notebook reference </a:t>
-            </a:r>
-          </a:p>
-          <a:p>
-            <a:pPr lvl="2"/>
-            <a:endParaRPr lang="en-US" dirty="0"/>
-          </a:p>
-          <a:p>
-            <a:endParaRPr lang="en-US" dirty="0"/>
-          </a:p>
-          <a:p>
-            <a:r>
-              <a:rPr lang="en-US" dirty="0"/>
-              <a:t>We didn’t expect to find …</a:t>
-            </a:r>
-          </a:p>
-          <a:p>
-            <a:pPr lvl="1"/>
-            <a:r>
-              <a:rPr lang="en-US" dirty="0"/>
-              <a:t>Try to point to a part of our </a:t>
-            </a:r>
-            <a:r>
-              <a:rPr lang="en-US" dirty="0" err="1"/>
-              <a:t>jupyter</a:t>
-            </a:r>
-            <a:r>
-              <a:rPr lang="en-US" dirty="0"/>
-              <a:t> notebook</a:t>
-            </a:r>
-          </a:p>
-          <a:p>
-            <a:pPr lvl="2"/>
-            <a:r>
-              <a:rPr lang="en-US" dirty="0" err="1"/>
-              <a:t>jupyter</a:t>
-            </a:r>
-            <a:r>
-              <a:rPr lang="en-US" dirty="0"/>
-              <a:t> notebook reference </a:t>
-            </a:r>
-          </a:p>
-          <a:p>
-            <a:pPr lvl="2"/>
-            <a:endParaRPr lang="en-US" dirty="0"/>
-          </a:p>
-          <a:p>
-            <a:pPr lvl="1"/>
-            <a:endParaRPr lang="en-US" dirty="0"/>
-          </a:p>
-        </p:txBody>
-      </p:sp>
+        </p:nvPicPr>
+        <p:blipFill>
+          <a:blip r:embed="rId2"/>
+          <a:stretch>
+            <a:fillRect/>
+          </a:stretch>
+        </p:blipFill>
+        <p:spPr>
+          <a:xfrm>
+            <a:off x="838200" y="1690688"/>
+            <a:ext cx="9126894" cy="5063094"/>
+          </a:xfrm>
+          <a:prstGeom prst="rect">
+            <a:avLst/>
+          </a:prstGeom>
+        </p:spPr>
+      </p:pic>
     </p:spTree>
     <p:extLst>
       <p:ext uri="{BB962C8B-B14F-4D97-AF65-F5344CB8AC3E}">
-        <p14:creationId xmlns:p14="http://schemas.microsoft.com/office/powerpoint/2010/main" val="1787629135"/>
+        <p14:creationId xmlns:p14="http://schemas.microsoft.com/office/powerpoint/2010/main" val="3229030607"/>
       </p:ext>
     </p:extLst>
   </p:cSld>
@@ -3852,7 +3791,7 @@
           <p:cNvPr id="2" name="Title 1">
             <a:extLst>
               <a:ext uri="{FF2B5EF4-FFF2-40B4-BE49-F238E27FC236}">
-                <a16:creationId xmlns:a16="http://schemas.microsoft.com/office/drawing/2014/main" id="{D0B1C1E6-F0EC-495A-9CD4-93351601C446}"/>
+                <a16:creationId xmlns:a16="http://schemas.microsoft.com/office/drawing/2014/main" id="{6901E77A-E9A7-46EC-9C9E-29D0AAB374DF}"/>
               </a:ext>
             </a:extLst>
           </p:cNvPr>
@@ -3870,7 +3809,7 @@
           <a:p>
             <a:r>
               <a:rPr lang="en-US" dirty="0"/>
-              <a:t>Why we are right if we are?</a:t>
+              <a:t>We asked the world for results </a:t>
             </a:r>
           </a:p>
         </p:txBody>
@@ -3880,7 +3819,7 @@
           <p:cNvPr id="3" name="Content Placeholder 2">
             <a:extLst>
               <a:ext uri="{FF2B5EF4-FFF2-40B4-BE49-F238E27FC236}">
-                <a16:creationId xmlns:a16="http://schemas.microsoft.com/office/drawing/2014/main" id="{7C58205A-18BD-4DD1-926B-646A04B076EB}"/>
+                <a16:creationId xmlns:a16="http://schemas.microsoft.com/office/drawing/2014/main" id="{822FCDA6-8B92-4F64-B3EC-314EF44B7D7F}"/>
               </a:ext>
             </a:extLst>
           </p:cNvPr>
@@ -3894,48 +3833,65 @@
         <p:spPr/>
         <p:txBody>
           <a:bodyPr>
-            <a:normAutofit fontScale="92500" lnSpcReduction="10000"/>
+            <a:normAutofit/>
           </a:bodyPr>
           <a:lstStyle/>
           <a:p>
-            <a:r>
-              <a:rPr lang="en-US" dirty="0"/>
-              <a:t>Our assumption was the more expensive a restaurant is the better the health score.</a:t>
-            </a:r>
-          </a:p>
-          <a:p>
+            <a:pPr marL="0" indent="0">
+              <a:buNone/>
+            </a:pPr>
             <a:endParaRPr lang="en-US" dirty="0"/>
           </a:p>
           <a:p>
-            <a:r>
-              <a:rPr lang="en-US" dirty="0"/>
-              <a:t>What we found was (X) of business with an expensive rating scored (X%) on a health inspection</a:t>
-            </a:r>
-          </a:p>
-          <a:p>
+            <a:pPr marL="971550" lvl="1" indent="-514350">
+              <a:buFont typeface="+mj-lt"/>
+              <a:buAutoNum type="arabicPeriod"/>
+            </a:pPr>
             <a:endParaRPr lang="en-US" dirty="0"/>
           </a:p>
           <a:p>
-            <a:r>
-              <a:rPr lang="en-US" dirty="0"/>
-              <a:t>We found that (X) business with less expensive rating scored (X%) on a health inspection</a:t>
-            </a:r>
-          </a:p>
-          <a:p>
+            <a:pPr marL="514350" indent="-514350">
+              <a:buFont typeface="+mj-lt"/>
+              <a:buAutoNum type="arabicPeriod"/>
+            </a:pPr>
             <a:endParaRPr lang="en-US" dirty="0"/>
           </a:p>
-          <a:p>
-            <a:r>
-              <a:rPr lang="en-US" dirty="0"/>
-              <a:t>We found that (X) business with an average expense rate scored (X%) on a health inspection </a:t>
-            </a:r>
-          </a:p>
-        </p:txBody>
-      </p:sp>
+        </p:txBody>
+      </p:sp>
+      <p:pic>
+        <p:nvPicPr>
+          <p:cNvPr id="4" name="Picture 3">
+            <a:extLst>
+              <a:ext uri="{FF2B5EF4-FFF2-40B4-BE49-F238E27FC236}">
+                <a16:creationId xmlns:a16="http://schemas.microsoft.com/office/drawing/2014/main" id="{39F3DEF3-ACF0-4549-B7CF-6DB71F7066F3}"/>
+              </a:ext>
+            </a:extLst>
+          </p:cNvPr>
+          <p:cNvPicPr>
+            <a:picLocks noChangeAspect="1"/>
+          </p:cNvPicPr>
+          <p:nvPr/>
+        </p:nvPicPr>
+        <p:blipFill>
+          <a:blip r:embed="rId2"/>
+          <a:stretch>
+            <a:fillRect/>
+          </a:stretch>
+        </p:blipFill>
+        <p:spPr>
+          <a:xfrm>
+            <a:off x="898112" y="1690688"/>
+            <a:ext cx="6400311" cy="4440773"/>
+          </a:xfrm>
+          <a:prstGeom prst="rect">
+            <a:avLst/>
+          </a:prstGeom>
+        </p:spPr>
+      </p:pic>
     </p:spTree>
     <p:extLst>
       <p:ext uri="{BB962C8B-B14F-4D97-AF65-F5344CB8AC3E}">
-        <p14:creationId xmlns:p14="http://schemas.microsoft.com/office/powerpoint/2010/main" val="3958127287"/>
+        <p14:creationId xmlns:p14="http://schemas.microsoft.com/office/powerpoint/2010/main" val="3180740736"/>
       </p:ext>
     </p:extLst>
   </p:cSld>
@@ -3967,7 +3923,7 @@
           <p:cNvPr id="2" name="Title 1">
             <a:extLst>
               <a:ext uri="{FF2B5EF4-FFF2-40B4-BE49-F238E27FC236}">
-                <a16:creationId xmlns:a16="http://schemas.microsoft.com/office/drawing/2014/main" id="{A2717ECB-5E16-4022-857C-6CEAE49538DD}"/>
+                <a16:creationId xmlns:a16="http://schemas.microsoft.com/office/drawing/2014/main" id="{F03C7554-DB8B-4815-91BB-642E5025ADB9}"/>
               </a:ext>
             </a:extLst>
           </p:cNvPr>
@@ -3983,69 +3939,80 @@
           <a:bodyPr/>
           <a:lstStyle/>
           <a:p>
-            <a:r>
-              <a:rPr lang="en-US" dirty="0"/>
-              <a:t>Memories </a:t>
-            </a:r>
-          </a:p>
-        </p:txBody>
-      </p:sp>
-      <p:sp>
-        <p:nvSpPr>
-          <p:cNvPr id="3" name="Content Placeholder 2">
-            <a:extLst>
-              <a:ext uri="{FF2B5EF4-FFF2-40B4-BE49-F238E27FC236}">
-                <a16:creationId xmlns:a16="http://schemas.microsoft.com/office/drawing/2014/main" id="{4C08FD03-AB9D-4B90-BDFF-D05313DD5511}"/>
-              </a:ext>
-            </a:extLst>
-          </p:cNvPr>
-          <p:cNvSpPr>
-            <a:spLocks noGrp="1"/>
-          </p:cNvSpPr>
+            <a:pPr algn="ctr"/>
+            <a:r>
+              <a:rPr lang="en-US" dirty="0"/>
+              <a:t>We used              </a:t>
+            </a:r>
+          </a:p>
+        </p:txBody>
+      </p:sp>
+      <p:pic>
+        <p:nvPicPr>
+          <p:cNvPr id="5" name="Content Placeholder 4">
+            <a:extLst>
+              <a:ext uri="{FF2B5EF4-FFF2-40B4-BE49-F238E27FC236}">
+                <a16:creationId xmlns:a16="http://schemas.microsoft.com/office/drawing/2014/main" id="{2E2B42DE-171C-47EC-B4A5-134382D0292C}"/>
+              </a:ext>
+            </a:extLst>
+          </p:cNvPr>
+          <p:cNvPicPr>
+            <a:picLocks noGrp="1" noChangeAspect="1"/>
+          </p:cNvPicPr>
           <p:nvPr>
             <p:ph idx="1"/>
           </p:nvPr>
-        </p:nvSpPr>
-        <p:spPr/>
-        <p:txBody>
-          <a:bodyPr/>
-          <a:lstStyle/>
-          <a:p>
-            <a:r>
-              <a:rPr lang="en-US" dirty="0"/>
-              <a:t>Things that went really well</a:t>
-            </a:r>
-          </a:p>
-          <a:p>
-            <a:r>
-              <a:rPr lang="en-US" dirty="0"/>
-              <a:t>Things that well</a:t>
-            </a:r>
-          </a:p>
-          <a:p>
-            <a:r>
-              <a:rPr lang="en-US" dirty="0"/>
-              <a:t>Things that did what they did</a:t>
-            </a:r>
-          </a:p>
-          <a:p>
-            <a:r>
-              <a:rPr lang="en-US" dirty="0"/>
-              <a:t>Things that became a pain</a:t>
-            </a:r>
-          </a:p>
-          <a:p>
-            <a:r>
-              <a:rPr lang="en-US" dirty="0"/>
-              <a:t>Things that sucked</a:t>
-            </a:r>
-          </a:p>
-        </p:txBody>
-      </p:sp>
+        </p:nvPicPr>
+        <p:blipFill>
+          <a:blip r:embed="rId2"/>
+          <a:stretch>
+            <a:fillRect/>
+          </a:stretch>
+        </p:blipFill>
+        <p:spPr>
+          <a:xfrm>
+            <a:off x="588102" y="2080591"/>
+            <a:ext cx="10830730" cy="3776870"/>
+          </a:xfrm>
+          <a:prstGeom prst="rect">
+            <a:avLst/>
+          </a:prstGeom>
+        </p:spPr>
+      </p:pic>
+      <p:pic>
+        <p:nvPicPr>
+          <p:cNvPr id="4" name="Picture 3">
+            <a:extLst>
+              <a:ext uri="{FF2B5EF4-FFF2-40B4-BE49-F238E27FC236}">
+                <a16:creationId xmlns:a16="http://schemas.microsoft.com/office/drawing/2014/main" id="{E46D6892-90DD-4277-8132-CE2BDB881058}"/>
+              </a:ext>
+            </a:extLst>
+          </p:cNvPr>
+          <p:cNvPicPr>
+            <a:picLocks noChangeAspect="1"/>
+          </p:cNvPicPr>
+          <p:nvPr/>
+        </p:nvPicPr>
+        <p:blipFill>
+          <a:blip r:embed="rId3"/>
+          <a:stretch>
+            <a:fillRect/>
+          </a:stretch>
+        </p:blipFill>
+        <p:spPr>
+          <a:xfrm>
+            <a:off x="7121525" y="365125"/>
+            <a:ext cx="1811387" cy="1178839"/>
+          </a:xfrm>
+          <a:prstGeom prst="rect">
+            <a:avLst/>
+          </a:prstGeom>
+        </p:spPr>
+      </p:pic>
     </p:spTree>
     <p:extLst>
       <p:ext uri="{BB962C8B-B14F-4D97-AF65-F5344CB8AC3E}">
-        <p14:creationId xmlns:p14="http://schemas.microsoft.com/office/powerpoint/2010/main" val="422892717"/>
+        <p14:creationId xmlns:p14="http://schemas.microsoft.com/office/powerpoint/2010/main" val="1181978089"/>
       </p:ext>
     </p:extLst>
   </p:cSld>
@@ -4077,7 +4044,7 @@
           <p:cNvPr id="2" name="Title 1">
             <a:extLst>
               <a:ext uri="{FF2B5EF4-FFF2-40B4-BE49-F238E27FC236}">
-                <a16:creationId xmlns:a16="http://schemas.microsoft.com/office/drawing/2014/main" id="{D10D6126-F040-4F9D-84C9-7C668D0CF058}"/>
+                <a16:creationId xmlns:a16="http://schemas.microsoft.com/office/drawing/2014/main" id="{E983946B-8F15-4BE2-B39C-CF90B4293FEE}"/>
               </a:ext>
             </a:extLst>
           </p:cNvPr>
@@ -4095,97 +4062,47 @@
           <a:p>
             <a:r>
               <a:rPr lang="en-US" dirty="0"/>
-              <a:t>What do we wish we could have looked at</a:t>
-            </a:r>
-          </a:p>
-        </p:txBody>
-      </p:sp>
-      <p:sp>
-        <p:nvSpPr>
-          <p:cNvPr id="3" name="Content Placeholder 2">
-            <a:extLst>
-              <a:ext uri="{FF2B5EF4-FFF2-40B4-BE49-F238E27FC236}">
-                <a16:creationId xmlns:a16="http://schemas.microsoft.com/office/drawing/2014/main" id="{4AF771E1-3D21-4B7C-8DD3-7356F754AB70}"/>
-              </a:ext>
-            </a:extLst>
-          </p:cNvPr>
-          <p:cNvSpPr>
-            <a:spLocks noGrp="1"/>
-          </p:cNvSpPr>
+              <a:t>We got answers</a:t>
+            </a:r>
+          </a:p>
+        </p:txBody>
+      </p:sp>
+      <p:pic>
+        <p:nvPicPr>
+          <p:cNvPr id="4" name="Content Placeholder 3">
+            <a:extLst>
+              <a:ext uri="{FF2B5EF4-FFF2-40B4-BE49-F238E27FC236}">
+                <a16:creationId xmlns:a16="http://schemas.microsoft.com/office/drawing/2014/main" id="{8E5A79C5-C511-4B70-80AE-1ACD32A6D2E7}"/>
+              </a:ext>
+            </a:extLst>
+          </p:cNvPr>
+          <p:cNvPicPr>
+            <a:picLocks noGrp="1" noChangeAspect="1"/>
+          </p:cNvPicPr>
           <p:nvPr>
             <p:ph idx="1"/>
           </p:nvPr>
-        </p:nvSpPr>
-        <p:spPr/>
-        <p:txBody>
-          <a:bodyPr/>
-          <a:lstStyle/>
-          <a:p>
-            <a:r>
-              <a:rPr lang="en-US" dirty="0"/>
-              <a:t>If we had more time</a:t>
-            </a:r>
-          </a:p>
-          <a:p>
-            <a:pPr lvl="1"/>
-            <a:r>
-              <a:rPr lang="en-US" dirty="0"/>
-              <a:t>A</a:t>
-            </a:r>
-          </a:p>
-          <a:p>
-            <a:pPr lvl="1"/>
-            <a:r>
-              <a:rPr lang="en-US" dirty="0"/>
-              <a:t>B</a:t>
-            </a:r>
-          </a:p>
-          <a:p>
-            <a:pPr lvl="1"/>
-            <a:r>
-              <a:rPr lang="en-US" dirty="0"/>
-              <a:t>C</a:t>
-            </a:r>
-          </a:p>
-          <a:p>
-            <a:r>
-              <a:rPr lang="en-US" dirty="0"/>
-              <a:t>If we had more recourse</a:t>
-            </a:r>
-          </a:p>
-          <a:p>
-            <a:pPr lvl="1"/>
-            <a:r>
-              <a:rPr lang="en-US" dirty="0"/>
-              <a:t>A</a:t>
-            </a:r>
-          </a:p>
-          <a:p>
-            <a:pPr lvl="1"/>
-            <a:r>
-              <a:rPr lang="en-US" dirty="0"/>
-              <a:t>B</a:t>
-            </a:r>
-          </a:p>
-          <a:p>
-            <a:pPr lvl="1"/>
-            <a:r>
-              <a:rPr lang="en-US" dirty="0"/>
-              <a:t>C</a:t>
-            </a:r>
-          </a:p>
-          <a:p>
-            <a:pPr marL="0" indent="0">
-              <a:buNone/>
-            </a:pPr>
-            <a:endParaRPr lang="en-US" dirty="0"/>
-          </a:p>
-        </p:txBody>
-      </p:sp>
+        </p:nvPicPr>
+        <p:blipFill>
+          <a:blip r:embed="rId2"/>
+          <a:stretch>
+            <a:fillRect/>
+          </a:stretch>
+        </p:blipFill>
+        <p:spPr>
+          <a:xfrm>
+            <a:off x="779477" y="1690688"/>
+            <a:ext cx="10515600" cy="4278669"/>
+          </a:xfrm>
+          <a:prstGeom prst="rect">
+            <a:avLst/>
+          </a:prstGeom>
+        </p:spPr>
+      </p:pic>
     </p:spTree>
     <p:extLst>
       <p:ext uri="{BB962C8B-B14F-4D97-AF65-F5344CB8AC3E}">
-        <p14:creationId xmlns:p14="http://schemas.microsoft.com/office/powerpoint/2010/main" val="3392035681"/>
+        <p14:creationId xmlns:p14="http://schemas.microsoft.com/office/powerpoint/2010/main" val="1887371778"/>
       </p:ext>
     </p:extLst>
   </p:cSld>
@@ -4217,7 +4134,7 @@
           <p:cNvPr id="2" name="Title 1">
             <a:extLst>
               <a:ext uri="{FF2B5EF4-FFF2-40B4-BE49-F238E27FC236}">
-                <a16:creationId xmlns:a16="http://schemas.microsoft.com/office/drawing/2014/main" id="{A38AE8E9-C55C-4C82-AD35-1A3784C0709B}"/>
+                <a16:creationId xmlns:a16="http://schemas.microsoft.com/office/drawing/2014/main" id="{955499BD-B941-4183-A602-AA8DF9B9C0FB}"/>
               </a:ext>
             </a:extLst>
           </p:cNvPr>
@@ -4228,68 +4145,493 @@
             <p:ph type="title"/>
           </p:nvPr>
         </p:nvSpPr>
+        <p:spPr/>
+        <p:txBody>
+          <a:bodyPr/>
+          <a:lstStyle/>
+          <a:p>
+            <a:r>
+              <a:rPr lang="en-US" dirty="0"/>
+              <a:t>We added some data to columns</a:t>
+            </a:r>
+          </a:p>
+        </p:txBody>
+      </p:sp>
+      <p:pic>
+        <p:nvPicPr>
+          <p:cNvPr id="7" name="Content Placeholder 6">
+            <a:extLst>
+              <a:ext uri="{FF2B5EF4-FFF2-40B4-BE49-F238E27FC236}">
+                <a16:creationId xmlns:a16="http://schemas.microsoft.com/office/drawing/2014/main" id="{1131FAE9-E89C-4359-9EAB-D24E1937028E}"/>
+              </a:ext>
+            </a:extLst>
+          </p:cNvPr>
+          <p:cNvPicPr>
+            <a:picLocks noGrp="1" noChangeAspect="1"/>
+          </p:cNvPicPr>
+          <p:nvPr>
+            <p:ph idx="1"/>
+          </p:nvPr>
+        </p:nvPicPr>
+        <p:blipFill>
+          <a:blip r:embed="rId2"/>
+          <a:stretch>
+            <a:fillRect/>
+          </a:stretch>
+        </p:blipFill>
         <p:spPr>
           <a:xfrm>
-            <a:off x="838200" y="365125"/>
-            <a:ext cx="10515600" cy="2936875"/>
+            <a:off x="838200" y="1841159"/>
+            <a:ext cx="10873658" cy="4167755"/>
           </a:xfrm>
+          <a:prstGeom prst="rect">
+            <a:avLst/>
+          </a:prstGeom>
         </p:spPr>
-        <p:txBody>
-          <a:bodyPr/>
-          <a:lstStyle/>
-          <a:p>
-            <a:pPr algn="ctr"/>
-            <a:r>
-              <a:rPr lang="en-US" dirty="0"/>
-              <a:t>Thank you for your time	</a:t>
-            </a:r>
-          </a:p>
-        </p:txBody>
-      </p:sp>
-      <p:sp>
-        <p:nvSpPr>
-          <p:cNvPr id="3" name="Content Placeholder 2">
-            <a:extLst>
-              <a:ext uri="{FF2B5EF4-FFF2-40B4-BE49-F238E27FC236}">
-                <a16:creationId xmlns:a16="http://schemas.microsoft.com/office/drawing/2014/main" id="{8B95687A-BB1B-41E3-B254-00E156B17E95}"/>
-              </a:ext>
-            </a:extLst>
-          </p:cNvPr>
-          <p:cNvSpPr>
-            <a:spLocks noGrp="1"/>
-          </p:cNvSpPr>
-          <p:nvPr>
-            <p:ph idx="1"/>
-          </p:nvPr>
-        </p:nvSpPr>
-        <p:spPr>
-          <a:xfrm>
-            <a:off x="838200" y="4521200"/>
-            <a:ext cx="10515600" cy="1612900"/>
-          </a:xfrm>
-        </p:spPr>
-        <p:txBody>
-          <a:bodyPr/>
-          <a:lstStyle/>
-          <a:p>
-            <a:pPr algn="ctr"/>
-            <a:endParaRPr lang="en-US" dirty="0"/>
-          </a:p>
-          <a:p>
-            <a:pPr marL="0" indent="0" algn="ctr">
-              <a:buNone/>
-            </a:pPr>
-            <a:r>
-              <a:rPr lang="en-US" dirty="0"/>
-              <a:t>Questions?</a:t>
-            </a:r>
-          </a:p>
-        </p:txBody>
-      </p:sp>
+      </p:pic>
     </p:spTree>
     <p:extLst>
       <p:ext uri="{BB962C8B-B14F-4D97-AF65-F5344CB8AC3E}">
-        <p14:creationId xmlns:p14="http://schemas.microsoft.com/office/powerpoint/2010/main" val="7658802"/>
+        <p14:creationId xmlns:p14="http://schemas.microsoft.com/office/powerpoint/2010/main" val="1933645533"/>
+      </p:ext>
+    </p:extLst>
+  </p:cSld>
+  <p:clrMapOvr>
+    <a:masterClrMapping/>
+  </p:clrMapOvr>
+</p:sld>
+</file>
+
+<file path=ppt/slides/slide16.xml><?xml version="1.0" encoding="utf-8"?>
+<p:sld xmlns:a="http://schemas.openxmlformats.org/drawingml/2006/main" xmlns:r="http://schemas.openxmlformats.org/officeDocument/2006/relationships" xmlns:p="http://schemas.openxmlformats.org/presentationml/2006/main">
+  <p:cSld>
+    <p:spTree>
+      <p:nvGrpSpPr>
+        <p:cNvPr id="1" name=""/>
+        <p:cNvGrpSpPr/>
+        <p:nvPr/>
+      </p:nvGrpSpPr>
+      <p:grpSpPr>
+        <a:xfrm>
+          <a:off x="0" y="0"/>
+          <a:ext cx="0" cy="0"/>
+          <a:chOff x="0" y="0"/>
+          <a:chExt cx="0" cy="0"/>
+        </a:xfrm>
+      </p:grpSpPr>
+      <p:sp>
+        <p:nvSpPr>
+          <p:cNvPr id="2" name="Title 1">
+            <a:extLst>
+              <a:ext uri="{FF2B5EF4-FFF2-40B4-BE49-F238E27FC236}">
+                <a16:creationId xmlns:a16="http://schemas.microsoft.com/office/drawing/2014/main" id="{F0D27B26-6E00-4C3E-BA56-0F4EA7E0D64B}"/>
+              </a:ext>
+            </a:extLst>
+          </p:cNvPr>
+          <p:cNvSpPr>
+            <a:spLocks noGrp="1"/>
+          </p:cNvSpPr>
+          <p:nvPr>
+            <p:ph type="title"/>
+          </p:nvPr>
+        </p:nvSpPr>
+        <p:spPr/>
+        <p:txBody>
+          <a:bodyPr/>
+          <a:lstStyle/>
+          <a:p>
+            <a:r>
+              <a:rPr lang="en-US" dirty="0"/>
+              <a:t>We got rid of rows with not enough info our Data is clean!</a:t>
+            </a:r>
+          </a:p>
+        </p:txBody>
+      </p:sp>
+      <p:pic>
+        <p:nvPicPr>
+          <p:cNvPr id="4" name="Content Placeholder 3">
+            <a:extLst>
+              <a:ext uri="{FF2B5EF4-FFF2-40B4-BE49-F238E27FC236}">
+                <a16:creationId xmlns:a16="http://schemas.microsoft.com/office/drawing/2014/main" id="{FD5CDE64-94A1-4914-B41E-456C64696DAA}"/>
+              </a:ext>
+            </a:extLst>
+          </p:cNvPr>
+          <p:cNvPicPr>
+            <a:picLocks noGrp="1" noChangeAspect="1"/>
+          </p:cNvPicPr>
+          <p:nvPr>
+            <p:ph idx="1"/>
+          </p:nvPr>
+        </p:nvPicPr>
+        <p:blipFill>
+          <a:blip r:embed="rId2"/>
+          <a:stretch>
+            <a:fillRect/>
+          </a:stretch>
+        </p:blipFill>
+        <p:spPr>
+          <a:xfrm>
+            <a:off x="838199" y="1690688"/>
+            <a:ext cx="10519029" cy="4038308"/>
+          </a:xfrm>
+          <a:prstGeom prst="rect">
+            <a:avLst/>
+          </a:prstGeom>
+        </p:spPr>
+      </p:pic>
+    </p:spTree>
+    <p:extLst>
+      <p:ext uri="{BB962C8B-B14F-4D97-AF65-F5344CB8AC3E}">
+        <p14:creationId xmlns:p14="http://schemas.microsoft.com/office/powerpoint/2010/main" val="2538205818"/>
+      </p:ext>
+    </p:extLst>
+  </p:cSld>
+  <p:clrMapOvr>
+    <a:masterClrMapping/>
+  </p:clrMapOvr>
+</p:sld>
+</file>
+
+<file path=ppt/slides/slide17.xml><?xml version="1.0" encoding="utf-8"?>
+<p:sld xmlns:a="http://schemas.openxmlformats.org/drawingml/2006/main" xmlns:r="http://schemas.openxmlformats.org/officeDocument/2006/relationships" xmlns:p="http://schemas.openxmlformats.org/presentationml/2006/main">
+  <p:cSld>
+    <p:spTree>
+      <p:nvGrpSpPr>
+        <p:cNvPr id="1" name=""/>
+        <p:cNvGrpSpPr/>
+        <p:nvPr/>
+      </p:nvGrpSpPr>
+      <p:grpSpPr>
+        <a:xfrm>
+          <a:off x="0" y="0"/>
+          <a:ext cx="0" cy="0"/>
+          <a:chOff x="0" y="0"/>
+          <a:chExt cx="0" cy="0"/>
+        </a:xfrm>
+      </p:grpSpPr>
+      <p:sp>
+        <p:nvSpPr>
+          <p:cNvPr id="2" name="Title 1">
+            <a:extLst>
+              <a:ext uri="{FF2B5EF4-FFF2-40B4-BE49-F238E27FC236}">
+                <a16:creationId xmlns:a16="http://schemas.microsoft.com/office/drawing/2014/main" id="{FE3D1E60-DA7D-434B-8574-9BBEDCDE92AC}"/>
+              </a:ext>
+            </a:extLst>
+          </p:cNvPr>
+          <p:cNvSpPr>
+            <a:spLocks noGrp="1"/>
+          </p:cNvSpPr>
+          <p:nvPr>
+            <p:ph type="title"/>
+          </p:nvPr>
+        </p:nvSpPr>
+        <p:spPr/>
+        <p:txBody>
+          <a:bodyPr/>
+          <a:lstStyle/>
+          <a:p>
+            <a:endParaRPr lang="en-US"/>
+          </a:p>
+        </p:txBody>
+      </p:sp>
+      <p:sp>
+        <p:nvSpPr>
+          <p:cNvPr id="3" name="Content Placeholder 2">
+            <a:extLst>
+              <a:ext uri="{FF2B5EF4-FFF2-40B4-BE49-F238E27FC236}">
+                <a16:creationId xmlns:a16="http://schemas.microsoft.com/office/drawing/2014/main" id="{CA93BE10-7A7A-4954-AB42-1C74470C71CE}"/>
+              </a:ext>
+            </a:extLst>
+          </p:cNvPr>
+          <p:cNvSpPr>
+            <a:spLocks noGrp="1"/>
+          </p:cNvSpPr>
+          <p:nvPr>
+            <p:ph idx="1"/>
+          </p:nvPr>
+        </p:nvSpPr>
+        <p:spPr/>
+        <p:txBody>
+          <a:bodyPr/>
+          <a:lstStyle/>
+          <a:p>
+            <a:endParaRPr lang="en-US"/>
+          </a:p>
+        </p:txBody>
+      </p:sp>
+    </p:spTree>
+    <p:extLst>
+      <p:ext uri="{BB962C8B-B14F-4D97-AF65-F5344CB8AC3E}">
+        <p14:creationId xmlns:p14="http://schemas.microsoft.com/office/powerpoint/2010/main" val="2657828377"/>
+      </p:ext>
+    </p:extLst>
+  </p:cSld>
+  <p:clrMapOvr>
+    <a:masterClrMapping/>
+  </p:clrMapOvr>
+</p:sld>
+</file>
+
+<file path=ppt/slides/slide18.xml><?xml version="1.0" encoding="utf-8"?>
+<p:sld xmlns:a="http://schemas.openxmlformats.org/drawingml/2006/main" xmlns:r="http://schemas.openxmlformats.org/officeDocument/2006/relationships" xmlns:p="http://schemas.openxmlformats.org/presentationml/2006/main">
+  <p:cSld>
+    <p:spTree>
+      <p:nvGrpSpPr>
+        <p:cNvPr id="1" name=""/>
+        <p:cNvGrpSpPr/>
+        <p:nvPr/>
+      </p:nvGrpSpPr>
+      <p:grpSpPr>
+        <a:xfrm>
+          <a:off x="0" y="0"/>
+          <a:ext cx="0" cy="0"/>
+          <a:chOff x="0" y="0"/>
+          <a:chExt cx="0" cy="0"/>
+        </a:xfrm>
+      </p:grpSpPr>
+      <p:sp>
+        <p:nvSpPr>
+          <p:cNvPr id="2" name="Title 1">
+            <a:extLst>
+              <a:ext uri="{FF2B5EF4-FFF2-40B4-BE49-F238E27FC236}">
+                <a16:creationId xmlns:a16="http://schemas.microsoft.com/office/drawing/2014/main" id="{7D36FF52-D128-4824-9D45-17EF5E6F34EE}"/>
+              </a:ext>
+            </a:extLst>
+          </p:cNvPr>
+          <p:cNvSpPr>
+            <a:spLocks noGrp="1"/>
+          </p:cNvSpPr>
+          <p:nvPr>
+            <p:ph type="title"/>
+          </p:nvPr>
+        </p:nvSpPr>
+        <p:spPr/>
+        <p:txBody>
+          <a:bodyPr/>
+          <a:lstStyle/>
+          <a:p>
+            <a:endParaRPr lang="en-US"/>
+          </a:p>
+        </p:txBody>
+      </p:sp>
+      <p:sp>
+        <p:nvSpPr>
+          <p:cNvPr id="3" name="Content Placeholder 2">
+            <a:extLst>
+              <a:ext uri="{FF2B5EF4-FFF2-40B4-BE49-F238E27FC236}">
+                <a16:creationId xmlns:a16="http://schemas.microsoft.com/office/drawing/2014/main" id="{BCBAD2EF-AEB3-48C3-811F-999DED58BA6D}"/>
+              </a:ext>
+            </a:extLst>
+          </p:cNvPr>
+          <p:cNvSpPr>
+            <a:spLocks noGrp="1"/>
+          </p:cNvSpPr>
+          <p:nvPr>
+            <p:ph idx="1"/>
+          </p:nvPr>
+        </p:nvSpPr>
+        <p:spPr/>
+        <p:txBody>
+          <a:bodyPr/>
+          <a:lstStyle/>
+          <a:p>
+            <a:pPr marL="514350" indent="-514350">
+              <a:buFont typeface="+mj-lt"/>
+              <a:buAutoNum type="arabicPeriod"/>
+            </a:pPr>
+            <a:r>
+              <a:rPr lang="en-US" dirty="0"/>
+              <a:t>Started to read the documentation</a:t>
+            </a:r>
+          </a:p>
+          <a:p>
+            <a:pPr marL="514350" indent="-514350">
+              <a:buFont typeface="+mj-lt"/>
+              <a:buAutoNum type="arabicPeriod"/>
+            </a:pPr>
+            <a:r>
+              <a:rPr lang="en-US" dirty="0"/>
+              <a:t>Tried to understand what information we got back</a:t>
+            </a:r>
+          </a:p>
+          <a:p>
+            <a:pPr marL="514350" indent="-514350">
+              <a:buFont typeface="+mj-lt"/>
+              <a:buAutoNum type="arabicPeriod"/>
+            </a:pPr>
+            <a:r>
+              <a:rPr lang="en-US" dirty="0"/>
+              <a:t>Changed our scope once we looked at the data in more depth</a:t>
+            </a:r>
+          </a:p>
+          <a:p>
+            <a:endParaRPr lang="en-US" dirty="0"/>
+          </a:p>
+        </p:txBody>
+      </p:sp>
+    </p:spTree>
+    <p:extLst>
+      <p:ext uri="{BB962C8B-B14F-4D97-AF65-F5344CB8AC3E}">
+        <p14:creationId xmlns:p14="http://schemas.microsoft.com/office/powerpoint/2010/main" val="3849684207"/>
+      </p:ext>
+    </p:extLst>
+  </p:cSld>
+  <p:clrMapOvr>
+    <a:masterClrMapping/>
+  </p:clrMapOvr>
+</p:sld>
+</file>
+
+<file path=ppt/slides/slide19.xml><?xml version="1.0" encoding="utf-8"?>
+<p:sld xmlns:a="http://schemas.openxmlformats.org/drawingml/2006/main" xmlns:r="http://schemas.openxmlformats.org/officeDocument/2006/relationships" xmlns:p="http://schemas.openxmlformats.org/presentationml/2006/main">
+  <p:cSld>
+    <p:spTree>
+      <p:nvGrpSpPr>
+        <p:cNvPr id="1" name=""/>
+        <p:cNvGrpSpPr/>
+        <p:nvPr/>
+      </p:nvGrpSpPr>
+      <p:grpSpPr>
+        <a:xfrm>
+          <a:off x="0" y="0"/>
+          <a:ext cx="0" cy="0"/>
+          <a:chOff x="0" y="0"/>
+          <a:chExt cx="0" cy="0"/>
+        </a:xfrm>
+      </p:grpSpPr>
+      <p:sp>
+        <p:nvSpPr>
+          <p:cNvPr id="2" name="Title 1">
+            <a:extLst>
+              <a:ext uri="{FF2B5EF4-FFF2-40B4-BE49-F238E27FC236}">
+                <a16:creationId xmlns:a16="http://schemas.microsoft.com/office/drawing/2014/main" id="{D759650F-4A31-4D48-93E3-037272A0DE21}"/>
+              </a:ext>
+            </a:extLst>
+          </p:cNvPr>
+          <p:cNvSpPr>
+            <a:spLocks noGrp="1"/>
+          </p:cNvSpPr>
+          <p:nvPr>
+            <p:ph type="title"/>
+          </p:nvPr>
+        </p:nvSpPr>
+        <p:spPr/>
+        <p:txBody>
+          <a:bodyPr/>
+          <a:lstStyle/>
+          <a:p>
+            <a:r>
+              <a:rPr lang="en-US" dirty="0"/>
+              <a:t>When it was time to analyze the data</a:t>
+            </a:r>
+          </a:p>
+        </p:txBody>
+      </p:sp>
+      <p:sp>
+        <p:nvSpPr>
+          <p:cNvPr id="3" name="Content Placeholder 2">
+            <a:extLst>
+              <a:ext uri="{FF2B5EF4-FFF2-40B4-BE49-F238E27FC236}">
+                <a16:creationId xmlns:a16="http://schemas.microsoft.com/office/drawing/2014/main" id="{F9149705-1058-43F1-9BDE-1FD54A1C8FBC}"/>
+              </a:ext>
+            </a:extLst>
+          </p:cNvPr>
+          <p:cNvSpPr>
+            <a:spLocks noGrp="1"/>
+          </p:cNvSpPr>
+          <p:nvPr>
+            <p:ph idx="1"/>
+          </p:nvPr>
+        </p:nvSpPr>
+        <p:spPr/>
+        <p:txBody>
+          <a:bodyPr/>
+          <a:lstStyle/>
+          <a:p>
+            <a:r>
+              <a:rPr lang="en-US" dirty="0"/>
+              <a:t>We found …</a:t>
+            </a:r>
+          </a:p>
+          <a:p>
+            <a:pPr lvl="1"/>
+            <a:r>
+              <a:rPr lang="en-US" dirty="0"/>
+              <a:t>Try to point to a part of our </a:t>
+            </a:r>
+            <a:r>
+              <a:rPr lang="en-US" dirty="0" err="1"/>
+              <a:t>jupyter</a:t>
+            </a:r>
+            <a:r>
+              <a:rPr lang="en-US" dirty="0"/>
+              <a:t> notebook</a:t>
+            </a:r>
+          </a:p>
+          <a:p>
+            <a:pPr lvl="2"/>
+            <a:r>
+              <a:rPr lang="en-US" dirty="0" err="1"/>
+              <a:t>jupyter</a:t>
+            </a:r>
+            <a:r>
+              <a:rPr lang="en-US" dirty="0"/>
+              <a:t> notebook reference </a:t>
+            </a:r>
+          </a:p>
+          <a:p>
+            <a:pPr lvl="2"/>
+            <a:endParaRPr lang="en-US" dirty="0"/>
+          </a:p>
+          <a:p>
+            <a:endParaRPr lang="en-US" dirty="0"/>
+          </a:p>
+          <a:p>
+            <a:r>
+              <a:rPr lang="en-US" dirty="0"/>
+              <a:t>We didn’t expect to find …</a:t>
+            </a:r>
+          </a:p>
+          <a:p>
+            <a:pPr lvl="1"/>
+            <a:r>
+              <a:rPr lang="en-US" dirty="0"/>
+              <a:t>Try to point to a part of our </a:t>
+            </a:r>
+            <a:r>
+              <a:rPr lang="en-US" dirty="0" err="1"/>
+              <a:t>jupyter</a:t>
+            </a:r>
+            <a:r>
+              <a:rPr lang="en-US" dirty="0"/>
+              <a:t> notebook</a:t>
+            </a:r>
+          </a:p>
+          <a:p>
+            <a:pPr lvl="2"/>
+            <a:r>
+              <a:rPr lang="en-US" dirty="0" err="1"/>
+              <a:t>jupyter</a:t>
+            </a:r>
+            <a:r>
+              <a:rPr lang="en-US" dirty="0"/>
+              <a:t> notebook reference </a:t>
+            </a:r>
+          </a:p>
+          <a:p>
+            <a:pPr lvl="2"/>
+            <a:endParaRPr lang="en-US" dirty="0"/>
+          </a:p>
+          <a:p>
+            <a:pPr lvl="1"/>
+            <a:endParaRPr lang="en-US" dirty="0"/>
+          </a:p>
+        </p:txBody>
+      </p:sp>
+    </p:spTree>
+    <p:extLst>
+      <p:ext uri="{BB962C8B-B14F-4D97-AF65-F5344CB8AC3E}">
+        <p14:creationId xmlns:p14="http://schemas.microsoft.com/office/powerpoint/2010/main" val="1787629135"/>
       </p:ext>
     </p:extLst>
   </p:cSld>
@@ -4355,6 +4697,475 @@
     <p:extLst>
       <p:ext uri="{BB962C8B-B14F-4D97-AF65-F5344CB8AC3E}">
         <p14:creationId xmlns:p14="http://schemas.microsoft.com/office/powerpoint/2010/main" val="2715542172"/>
+      </p:ext>
+    </p:extLst>
+  </p:cSld>
+  <p:clrMapOvr>
+    <a:masterClrMapping/>
+  </p:clrMapOvr>
+</p:sld>
+</file>
+
+<file path=ppt/slides/slide20.xml><?xml version="1.0" encoding="utf-8"?>
+<p:sld xmlns:a="http://schemas.openxmlformats.org/drawingml/2006/main" xmlns:r="http://schemas.openxmlformats.org/officeDocument/2006/relationships" xmlns:p="http://schemas.openxmlformats.org/presentationml/2006/main">
+  <p:cSld>
+    <p:spTree>
+      <p:nvGrpSpPr>
+        <p:cNvPr id="1" name=""/>
+        <p:cNvGrpSpPr/>
+        <p:nvPr/>
+      </p:nvGrpSpPr>
+      <p:grpSpPr>
+        <a:xfrm>
+          <a:off x="0" y="0"/>
+          <a:ext cx="0" cy="0"/>
+          <a:chOff x="0" y="0"/>
+          <a:chExt cx="0" cy="0"/>
+        </a:xfrm>
+      </p:grpSpPr>
+      <p:sp>
+        <p:nvSpPr>
+          <p:cNvPr id="2" name="Title 1">
+            <a:extLst>
+              <a:ext uri="{FF2B5EF4-FFF2-40B4-BE49-F238E27FC236}">
+                <a16:creationId xmlns:a16="http://schemas.microsoft.com/office/drawing/2014/main" id="{D0B1C1E6-F0EC-495A-9CD4-93351601C446}"/>
+              </a:ext>
+            </a:extLst>
+          </p:cNvPr>
+          <p:cNvSpPr>
+            <a:spLocks noGrp="1"/>
+          </p:cNvSpPr>
+          <p:nvPr>
+            <p:ph type="title"/>
+          </p:nvPr>
+        </p:nvSpPr>
+        <p:spPr/>
+        <p:txBody>
+          <a:bodyPr/>
+          <a:lstStyle/>
+          <a:p>
+            <a:r>
+              <a:rPr lang="en-US" dirty="0"/>
+              <a:t>Why we are right if we are?</a:t>
+            </a:r>
+          </a:p>
+        </p:txBody>
+      </p:sp>
+      <p:sp>
+        <p:nvSpPr>
+          <p:cNvPr id="3" name="Content Placeholder 2">
+            <a:extLst>
+              <a:ext uri="{FF2B5EF4-FFF2-40B4-BE49-F238E27FC236}">
+                <a16:creationId xmlns:a16="http://schemas.microsoft.com/office/drawing/2014/main" id="{7C58205A-18BD-4DD1-926B-646A04B076EB}"/>
+              </a:ext>
+            </a:extLst>
+          </p:cNvPr>
+          <p:cNvSpPr>
+            <a:spLocks noGrp="1"/>
+          </p:cNvSpPr>
+          <p:nvPr>
+            <p:ph idx="1"/>
+          </p:nvPr>
+        </p:nvSpPr>
+        <p:spPr/>
+        <p:txBody>
+          <a:bodyPr>
+            <a:normAutofit fontScale="92500" lnSpcReduction="10000"/>
+          </a:bodyPr>
+          <a:lstStyle/>
+          <a:p>
+            <a:r>
+              <a:rPr lang="en-US" dirty="0"/>
+              <a:t>Our assumption was the more expensive a restaurant is the better the health score.</a:t>
+            </a:r>
+          </a:p>
+          <a:p>
+            <a:endParaRPr lang="en-US" dirty="0"/>
+          </a:p>
+          <a:p>
+            <a:r>
+              <a:rPr lang="en-US" dirty="0"/>
+              <a:t>What we found was (X) of business with an expensive rating scored (X%) on a health inspection</a:t>
+            </a:r>
+          </a:p>
+          <a:p>
+            <a:endParaRPr lang="en-US" dirty="0"/>
+          </a:p>
+          <a:p>
+            <a:r>
+              <a:rPr lang="en-US" dirty="0"/>
+              <a:t>We found that (X) business with less expensive rating scored (X%) on a health inspection</a:t>
+            </a:r>
+          </a:p>
+          <a:p>
+            <a:endParaRPr lang="en-US" dirty="0"/>
+          </a:p>
+          <a:p>
+            <a:r>
+              <a:rPr lang="en-US" dirty="0"/>
+              <a:t>We found that (X) business with an average expense rate scored (X%) on a health inspection </a:t>
+            </a:r>
+          </a:p>
+        </p:txBody>
+      </p:sp>
+    </p:spTree>
+    <p:extLst>
+      <p:ext uri="{BB962C8B-B14F-4D97-AF65-F5344CB8AC3E}">
+        <p14:creationId xmlns:p14="http://schemas.microsoft.com/office/powerpoint/2010/main" val="3958127287"/>
+      </p:ext>
+    </p:extLst>
+  </p:cSld>
+  <p:clrMapOvr>
+    <a:masterClrMapping/>
+  </p:clrMapOvr>
+</p:sld>
+</file>
+
+<file path=ppt/slides/slide21.xml><?xml version="1.0" encoding="utf-8"?>
+<p:sld xmlns:a="http://schemas.openxmlformats.org/drawingml/2006/main" xmlns:r="http://schemas.openxmlformats.org/officeDocument/2006/relationships" xmlns:p="http://schemas.openxmlformats.org/presentationml/2006/main">
+  <p:cSld>
+    <p:spTree>
+      <p:nvGrpSpPr>
+        <p:cNvPr id="1" name=""/>
+        <p:cNvGrpSpPr/>
+        <p:nvPr/>
+      </p:nvGrpSpPr>
+      <p:grpSpPr>
+        <a:xfrm>
+          <a:off x="0" y="0"/>
+          <a:ext cx="0" cy="0"/>
+          <a:chOff x="0" y="0"/>
+          <a:chExt cx="0" cy="0"/>
+        </a:xfrm>
+      </p:grpSpPr>
+      <p:sp>
+        <p:nvSpPr>
+          <p:cNvPr id="2" name="Title 1">
+            <a:extLst>
+              <a:ext uri="{FF2B5EF4-FFF2-40B4-BE49-F238E27FC236}">
+                <a16:creationId xmlns:a16="http://schemas.microsoft.com/office/drawing/2014/main" id="{A2717ECB-5E16-4022-857C-6CEAE49538DD}"/>
+              </a:ext>
+            </a:extLst>
+          </p:cNvPr>
+          <p:cNvSpPr>
+            <a:spLocks noGrp="1"/>
+          </p:cNvSpPr>
+          <p:nvPr>
+            <p:ph type="title"/>
+          </p:nvPr>
+        </p:nvSpPr>
+        <p:spPr/>
+        <p:txBody>
+          <a:bodyPr/>
+          <a:lstStyle/>
+          <a:p>
+            <a:r>
+              <a:rPr lang="en-US" dirty="0"/>
+              <a:t>Memories </a:t>
+            </a:r>
+          </a:p>
+        </p:txBody>
+      </p:sp>
+      <p:sp>
+        <p:nvSpPr>
+          <p:cNvPr id="3" name="Content Placeholder 2">
+            <a:extLst>
+              <a:ext uri="{FF2B5EF4-FFF2-40B4-BE49-F238E27FC236}">
+                <a16:creationId xmlns:a16="http://schemas.microsoft.com/office/drawing/2014/main" id="{4C08FD03-AB9D-4B90-BDFF-D05313DD5511}"/>
+              </a:ext>
+            </a:extLst>
+          </p:cNvPr>
+          <p:cNvSpPr>
+            <a:spLocks noGrp="1"/>
+          </p:cNvSpPr>
+          <p:nvPr>
+            <p:ph idx="1"/>
+          </p:nvPr>
+        </p:nvSpPr>
+        <p:spPr/>
+        <p:txBody>
+          <a:bodyPr/>
+          <a:lstStyle/>
+          <a:p>
+            <a:r>
+              <a:rPr lang="en-US" dirty="0"/>
+              <a:t>Things that went really well</a:t>
+            </a:r>
+          </a:p>
+          <a:p>
+            <a:r>
+              <a:rPr lang="en-US" dirty="0"/>
+              <a:t>Things that well</a:t>
+            </a:r>
+          </a:p>
+          <a:p>
+            <a:r>
+              <a:rPr lang="en-US" dirty="0"/>
+              <a:t>Things that did what they did</a:t>
+            </a:r>
+          </a:p>
+          <a:p>
+            <a:r>
+              <a:rPr lang="en-US" dirty="0"/>
+              <a:t>Things that became a pain</a:t>
+            </a:r>
+          </a:p>
+          <a:p>
+            <a:r>
+              <a:rPr lang="en-US" dirty="0"/>
+              <a:t>Things that sucked</a:t>
+            </a:r>
+          </a:p>
+        </p:txBody>
+      </p:sp>
+    </p:spTree>
+    <p:extLst>
+      <p:ext uri="{BB962C8B-B14F-4D97-AF65-F5344CB8AC3E}">
+        <p14:creationId xmlns:p14="http://schemas.microsoft.com/office/powerpoint/2010/main" val="422892717"/>
+      </p:ext>
+    </p:extLst>
+  </p:cSld>
+  <p:clrMapOvr>
+    <a:masterClrMapping/>
+  </p:clrMapOvr>
+</p:sld>
+</file>
+
+<file path=ppt/slides/slide22.xml><?xml version="1.0" encoding="utf-8"?>
+<p:sld xmlns:a="http://schemas.openxmlformats.org/drawingml/2006/main" xmlns:r="http://schemas.openxmlformats.org/officeDocument/2006/relationships" xmlns:p="http://schemas.openxmlformats.org/presentationml/2006/main">
+  <p:cSld>
+    <p:spTree>
+      <p:nvGrpSpPr>
+        <p:cNvPr id="1" name=""/>
+        <p:cNvGrpSpPr/>
+        <p:nvPr/>
+      </p:nvGrpSpPr>
+      <p:grpSpPr>
+        <a:xfrm>
+          <a:off x="0" y="0"/>
+          <a:ext cx="0" cy="0"/>
+          <a:chOff x="0" y="0"/>
+          <a:chExt cx="0" cy="0"/>
+        </a:xfrm>
+      </p:grpSpPr>
+      <p:sp>
+        <p:nvSpPr>
+          <p:cNvPr id="2" name="Title 1">
+            <a:extLst>
+              <a:ext uri="{FF2B5EF4-FFF2-40B4-BE49-F238E27FC236}">
+                <a16:creationId xmlns:a16="http://schemas.microsoft.com/office/drawing/2014/main" id="{D10D6126-F040-4F9D-84C9-7C668D0CF058}"/>
+              </a:ext>
+            </a:extLst>
+          </p:cNvPr>
+          <p:cNvSpPr>
+            <a:spLocks noGrp="1"/>
+          </p:cNvSpPr>
+          <p:nvPr>
+            <p:ph type="title"/>
+          </p:nvPr>
+        </p:nvSpPr>
+        <p:spPr/>
+        <p:txBody>
+          <a:bodyPr/>
+          <a:lstStyle/>
+          <a:p>
+            <a:r>
+              <a:rPr lang="en-US" dirty="0"/>
+              <a:t>What do we wish we could have looked at</a:t>
+            </a:r>
+          </a:p>
+        </p:txBody>
+      </p:sp>
+      <p:sp>
+        <p:nvSpPr>
+          <p:cNvPr id="3" name="Content Placeholder 2">
+            <a:extLst>
+              <a:ext uri="{FF2B5EF4-FFF2-40B4-BE49-F238E27FC236}">
+                <a16:creationId xmlns:a16="http://schemas.microsoft.com/office/drawing/2014/main" id="{4AF771E1-3D21-4B7C-8DD3-7356F754AB70}"/>
+              </a:ext>
+            </a:extLst>
+          </p:cNvPr>
+          <p:cNvSpPr>
+            <a:spLocks noGrp="1"/>
+          </p:cNvSpPr>
+          <p:nvPr>
+            <p:ph idx="1"/>
+          </p:nvPr>
+        </p:nvSpPr>
+        <p:spPr/>
+        <p:txBody>
+          <a:bodyPr/>
+          <a:lstStyle/>
+          <a:p>
+            <a:r>
+              <a:rPr lang="en-US" dirty="0"/>
+              <a:t>If we had more time</a:t>
+            </a:r>
+          </a:p>
+          <a:p>
+            <a:pPr lvl="1"/>
+            <a:r>
+              <a:rPr lang="en-US" dirty="0"/>
+              <a:t>A</a:t>
+            </a:r>
+          </a:p>
+          <a:p>
+            <a:pPr lvl="1"/>
+            <a:r>
+              <a:rPr lang="en-US" dirty="0"/>
+              <a:t>B</a:t>
+            </a:r>
+          </a:p>
+          <a:p>
+            <a:pPr lvl="1"/>
+            <a:r>
+              <a:rPr lang="en-US" dirty="0"/>
+              <a:t>C</a:t>
+            </a:r>
+          </a:p>
+          <a:p>
+            <a:r>
+              <a:rPr lang="en-US" dirty="0"/>
+              <a:t>If we had more recourse</a:t>
+            </a:r>
+          </a:p>
+          <a:p>
+            <a:pPr lvl="1"/>
+            <a:r>
+              <a:rPr lang="en-US" dirty="0"/>
+              <a:t>A</a:t>
+            </a:r>
+          </a:p>
+          <a:p>
+            <a:pPr lvl="1"/>
+            <a:r>
+              <a:rPr lang="en-US" dirty="0"/>
+              <a:t>B</a:t>
+            </a:r>
+          </a:p>
+          <a:p>
+            <a:pPr lvl="1"/>
+            <a:r>
+              <a:rPr lang="en-US" dirty="0"/>
+              <a:t>C</a:t>
+            </a:r>
+          </a:p>
+          <a:p>
+            <a:pPr marL="0" indent="0">
+              <a:buNone/>
+            </a:pPr>
+            <a:endParaRPr lang="en-US" dirty="0"/>
+          </a:p>
+        </p:txBody>
+      </p:sp>
+    </p:spTree>
+    <p:extLst>
+      <p:ext uri="{BB962C8B-B14F-4D97-AF65-F5344CB8AC3E}">
+        <p14:creationId xmlns:p14="http://schemas.microsoft.com/office/powerpoint/2010/main" val="3392035681"/>
+      </p:ext>
+    </p:extLst>
+  </p:cSld>
+  <p:clrMapOvr>
+    <a:masterClrMapping/>
+  </p:clrMapOvr>
+</p:sld>
+</file>
+
+<file path=ppt/slides/slide23.xml><?xml version="1.0" encoding="utf-8"?>
+<p:sld xmlns:a="http://schemas.openxmlformats.org/drawingml/2006/main" xmlns:r="http://schemas.openxmlformats.org/officeDocument/2006/relationships" xmlns:p="http://schemas.openxmlformats.org/presentationml/2006/main">
+  <p:cSld>
+    <p:spTree>
+      <p:nvGrpSpPr>
+        <p:cNvPr id="1" name=""/>
+        <p:cNvGrpSpPr/>
+        <p:nvPr/>
+      </p:nvGrpSpPr>
+      <p:grpSpPr>
+        <a:xfrm>
+          <a:off x="0" y="0"/>
+          <a:ext cx="0" cy="0"/>
+          <a:chOff x="0" y="0"/>
+          <a:chExt cx="0" cy="0"/>
+        </a:xfrm>
+      </p:grpSpPr>
+      <p:sp>
+        <p:nvSpPr>
+          <p:cNvPr id="2" name="Title 1">
+            <a:extLst>
+              <a:ext uri="{FF2B5EF4-FFF2-40B4-BE49-F238E27FC236}">
+                <a16:creationId xmlns:a16="http://schemas.microsoft.com/office/drawing/2014/main" id="{A38AE8E9-C55C-4C82-AD35-1A3784C0709B}"/>
+              </a:ext>
+            </a:extLst>
+          </p:cNvPr>
+          <p:cNvSpPr>
+            <a:spLocks noGrp="1"/>
+          </p:cNvSpPr>
+          <p:nvPr>
+            <p:ph type="title"/>
+          </p:nvPr>
+        </p:nvSpPr>
+        <p:spPr>
+          <a:xfrm>
+            <a:off x="838200" y="365125"/>
+            <a:ext cx="10515600" cy="2936875"/>
+          </a:xfrm>
+        </p:spPr>
+        <p:txBody>
+          <a:bodyPr/>
+          <a:lstStyle/>
+          <a:p>
+            <a:pPr algn="ctr"/>
+            <a:r>
+              <a:rPr lang="en-US" dirty="0"/>
+              <a:t>Thank you for your time	</a:t>
+            </a:r>
+          </a:p>
+        </p:txBody>
+      </p:sp>
+      <p:sp>
+        <p:nvSpPr>
+          <p:cNvPr id="3" name="Content Placeholder 2">
+            <a:extLst>
+              <a:ext uri="{FF2B5EF4-FFF2-40B4-BE49-F238E27FC236}">
+                <a16:creationId xmlns:a16="http://schemas.microsoft.com/office/drawing/2014/main" id="{8B95687A-BB1B-41E3-B254-00E156B17E95}"/>
+              </a:ext>
+            </a:extLst>
+          </p:cNvPr>
+          <p:cNvSpPr>
+            <a:spLocks noGrp="1"/>
+          </p:cNvSpPr>
+          <p:nvPr>
+            <p:ph idx="1"/>
+          </p:nvPr>
+        </p:nvSpPr>
+        <p:spPr>
+          <a:xfrm>
+            <a:off x="838200" y="4521200"/>
+            <a:ext cx="10515600" cy="1612900"/>
+          </a:xfrm>
+        </p:spPr>
+        <p:txBody>
+          <a:bodyPr/>
+          <a:lstStyle/>
+          <a:p>
+            <a:pPr algn="ctr"/>
+            <a:endParaRPr lang="en-US" dirty="0"/>
+          </a:p>
+          <a:p>
+            <a:pPr marL="0" indent="0" algn="ctr">
+              <a:buNone/>
+            </a:pPr>
+            <a:r>
+              <a:rPr lang="en-US" dirty="0"/>
+              <a:t>Questions?</a:t>
+            </a:r>
+          </a:p>
+        </p:txBody>
+      </p:sp>
+    </p:spTree>
+    <p:extLst>
+      <p:ext uri="{BB962C8B-B14F-4D97-AF65-F5344CB8AC3E}">
+        <p14:creationId xmlns:p14="http://schemas.microsoft.com/office/powerpoint/2010/main" val="7658802"/>
       </p:ext>
     </p:extLst>
   </p:cSld>
